--- a/figures/figures.pptx
+++ b/figures/figures.pptx
@@ -14,6 +14,7 @@
     <p:sldId id="262" r:id="rId9"/>
     <p:sldId id="263" r:id="rId10"/>
     <p:sldId id="264" r:id="rId11"/>
+    <p:sldId id="265" r:id="rId12"/>
   </p:sldIdLst>
   <p:sldSz cx="10080625" cy="5670550"/>
   <p:notesSz cx="7772400" cy="10058400"/>
@@ -61,7 +62,7 @@
       </p:grpSpPr>
       <p:sp>
         <p:nvSpPr>
-          <p:cNvPr id="26" name="PlaceHolder 1"/>
+          <p:cNvPr id="23" name="PlaceHolder 1"/>
           <p:cNvSpPr>
             <a:spLocks noGrp="1"/>
           </p:cNvSpPr>
@@ -72,7 +73,7 @@
         <p:spPr>
           <a:xfrm>
             <a:off x="504000" y="226080"/>
-            <a:ext cx="9071640" cy="946440"/>
+            <a:ext cx="9071280" cy="946080"/>
           </a:xfrm>
           <a:prstGeom prst="rect">
             <a:avLst/>
@@ -92,7 +93,7 @@
       </p:sp>
       <p:sp>
         <p:nvSpPr>
-          <p:cNvPr id="27" name="PlaceHolder 2"/>
+          <p:cNvPr id="24" name="PlaceHolder 2"/>
           <p:cNvSpPr>
             <a:spLocks noGrp="1"/>
           </p:cNvSpPr>
@@ -103,37 +104,37 @@
         <p:spPr>
           <a:xfrm>
             <a:off x="504000" y="1326600"/>
-            <a:ext cx="9071640" cy="1568160"/>
-          </a:xfrm>
-          <a:prstGeom prst="rect">
-            <a:avLst/>
-          </a:prstGeom>
-        </p:spPr>
-        <p:txBody>
-          <a:bodyPr lIns="0" rIns="0" tIns="0" bIns="0">
-            <a:normAutofit/>
-          </a:bodyPr>
-          <a:p>
-            <a:endParaRPr b="0" lang="en-US" sz="3200" spc="-1" strike="noStrike">
-              <a:latin typeface="Arial"/>
-            </a:endParaRPr>
-          </a:p>
-        </p:txBody>
-      </p:sp>
-      <p:sp>
-        <p:nvSpPr>
-          <p:cNvPr id="28" name="PlaceHolder 3"/>
-          <p:cNvSpPr>
-            <a:spLocks noGrp="1"/>
-          </p:cNvSpPr>
-          <p:nvPr>
-            <p:ph type="body"/>
-          </p:nvPr>
-        </p:nvSpPr>
-        <p:spPr>
-          <a:xfrm>
-            <a:off x="504000" y="3044160"/>
-            <a:ext cx="9071640" cy="1568160"/>
+            <a:ext cx="9072000" cy="1568520"/>
+          </a:xfrm>
+          <a:prstGeom prst="rect">
+            <a:avLst/>
+          </a:prstGeom>
+        </p:spPr>
+        <p:txBody>
+          <a:bodyPr lIns="0" rIns="0" tIns="0" bIns="0">
+            <a:normAutofit/>
+          </a:bodyPr>
+          <a:p>
+            <a:endParaRPr b="0" lang="en-US" sz="3200" spc="-1" strike="noStrike">
+              <a:latin typeface="Arial"/>
+            </a:endParaRPr>
+          </a:p>
+        </p:txBody>
+      </p:sp>
+      <p:sp>
+        <p:nvSpPr>
+          <p:cNvPr id="25" name="PlaceHolder 3"/>
+          <p:cNvSpPr>
+            <a:spLocks noGrp="1"/>
+          </p:cNvSpPr>
+          <p:nvPr>
+            <p:ph type="body"/>
+          </p:nvPr>
+        </p:nvSpPr>
+        <p:spPr>
+          <a:xfrm>
+            <a:off x="504000" y="3044520"/>
+            <a:ext cx="9072000" cy="1568520"/>
           </a:xfrm>
           <a:prstGeom prst="rect">
             <a:avLst/>
@@ -174,7 +175,7 @@
       </p:grpSpPr>
       <p:sp>
         <p:nvSpPr>
-          <p:cNvPr id="29" name="PlaceHolder 1"/>
+          <p:cNvPr id="26" name="PlaceHolder 1"/>
           <p:cNvSpPr>
             <a:spLocks noGrp="1"/>
           </p:cNvSpPr>
@@ -185,7 +186,7 @@
         <p:spPr>
           <a:xfrm>
             <a:off x="504000" y="226080"/>
-            <a:ext cx="9071640" cy="946440"/>
+            <a:ext cx="9071280" cy="946080"/>
           </a:xfrm>
           <a:prstGeom prst="rect">
             <a:avLst/>
@@ -205,7 +206,7 @@
       </p:sp>
       <p:sp>
         <p:nvSpPr>
-          <p:cNvPr id="30" name="PlaceHolder 2"/>
+          <p:cNvPr id="27" name="PlaceHolder 2"/>
           <p:cNvSpPr>
             <a:spLocks noGrp="1"/>
           </p:cNvSpPr>
@@ -216,26 +217,26 @@
         <p:spPr>
           <a:xfrm>
             <a:off x="504000" y="1326600"/>
-            <a:ext cx="4426920" cy="1568160"/>
-          </a:xfrm>
-          <a:prstGeom prst="rect">
-            <a:avLst/>
-          </a:prstGeom>
-        </p:spPr>
-        <p:txBody>
-          <a:bodyPr lIns="0" rIns="0" tIns="0" bIns="0">
-            <a:normAutofit/>
-          </a:bodyPr>
-          <a:p>
-            <a:endParaRPr b="0" lang="en-US" sz="3200" spc="-1" strike="noStrike">
-              <a:latin typeface="Arial"/>
-            </a:endParaRPr>
-          </a:p>
-        </p:txBody>
-      </p:sp>
-      <p:sp>
-        <p:nvSpPr>
-          <p:cNvPr id="31" name="PlaceHolder 3"/>
+            <a:ext cx="4426920" cy="1568520"/>
+          </a:xfrm>
+          <a:prstGeom prst="rect">
+            <a:avLst/>
+          </a:prstGeom>
+        </p:spPr>
+        <p:txBody>
+          <a:bodyPr lIns="0" rIns="0" tIns="0" bIns="0">
+            <a:normAutofit/>
+          </a:bodyPr>
+          <a:p>
+            <a:endParaRPr b="0" lang="en-US" sz="3200" spc="-1" strike="noStrike">
+              <a:latin typeface="Arial"/>
+            </a:endParaRPr>
+          </a:p>
+        </p:txBody>
+      </p:sp>
+      <p:sp>
+        <p:nvSpPr>
+          <p:cNvPr id="28" name="PlaceHolder 3"/>
           <p:cNvSpPr>
             <a:spLocks noGrp="1"/>
           </p:cNvSpPr>
@@ -246,67 +247,67 @@
         <p:spPr>
           <a:xfrm>
             <a:off x="5152680" y="1326600"/>
-            <a:ext cx="4426920" cy="1568160"/>
-          </a:xfrm>
-          <a:prstGeom prst="rect">
-            <a:avLst/>
-          </a:prstGeom>
-        </p:spPr>
-        <p:txBody>
-          <a:bodyPr lIns="0" rIns="0" tIns="0" bIns="0">
-            <a:normAutofit/>
-          </a:bodyPr>
-          <a:p>
-            <a:endParaRPr b="0" lang="en-US" sz="3200" spc="-1" strike="noStrike">
-              <a:latin typeface="Arial"/>
-            </a:endParaRPr>
-          </a:p>
-        </p:txBody>
-      </p:sp>
-      <p:sp>
-        <p:nvSpPr>
-          <p:cNvPr id="32" name="PlaceHolder 4"/>
-          <p:cNvSpPr>
-            <a:spLocks noGrp="1"/>
-          </p:cNvSpPr>
-          <p:nvPr>
-            <p:ph type="body"/>
-          </p:nvPr>
-        </p:nvSpPr>
-        <p:spPr>
-          <a:xfrm>
-            <a:off x="504000" y="3044160"/>
-            <a:ext cx="4426920" cy="1568160"/>
-          </a:xfrm>
-          <a:prstGeom prst="rect">
-            <a:avLst/>
-          </a:prstGeom>
-        </p:spPr>
-        <p:txBody>
-          <a:bodyPr lIns="0" rIns="0" tIns="0" bIns="0">
-            <a:normAutofit/>
-          </a:bodyPr>
-          <a:p>
-            <a:endParaRPr b="0" lang="en-US" sz="3200" spc="-1" strike="noStrike">
-              <a:latin typeface="Arial"/>
-            </a:endParaRPr>
-          </a:p>
-        </p:txBody>
-      </p:sp>
-      <p:sp>
-        <p:nvSpPr>
-          <p:cNvPr id="33" name="PlaceHolder 5"/>
-          <p:cNvSpPr>
-            <a:spLocks noGrp="1"/>
-          </p:cNvSpPr>
-          <p:nvPr>
-            <p:ph type="body"/>
-          </p:nvPr>
-        </p:nvSpPr>
-        <p:spPr>
-          <a:xfrm>
-            <a:off x="5152680" y="3044160"/>
-            <a:ext cx="4426920" cy="1568160"/>
+            <a:ext cx="4426920" cy="1568520"/>
+          </a:xfrm>
+          <a:prstGeom prst="rect">
+            <a:avLst/>
+          </a:prstGeom>
+        </p:spPr>
+        <p:txBody>
+          <a:bodyPr lIns="0" rIns="0" tIns="0" bIns="0">
+            <a:normAutofit/>
+          </a:bodyPr>
+          <a:p>
+            <a:endParaRPr b="0" lang="en-US" sz="3200" spc="-1" strike="noStrike">
+              <a:latin typeface="Arial"/>
+            </a:endParaRPr>
+          </a:p>
+        </p:txBody>
+      </p:sp>
+      <p:sp>
+        <p:nvSpPr>
+          <p:cNvPr id="29" name="PlaceHolder 4"/>
+          <p:cNvSpPr>
+            <a:spLocks noGrp="1"/>
+          </p:cNvSpPr>
+          <p:nvPr>
+            <p:ph type="body"/>
+          </p:nvPr>
+        </p:nvSpPr>
+        <p:spPr>
+          <a:xfrm>
+            <a:off x="504000" y="3044520"/>
+            <a:ext cx="4426920" cy="1568520"/>
+          </a:xfrm>
+          <a:prstGeom prst="rect">
+            <a:avLst/>
+          </a:prstGeom>
+        </p:spPr>
+        <p:txBody>
+          <a:bodyPr lIns="0" rIns="0" tIns="0" bIns="0">
+            <a:normAutofit/>
+          </a:bodyPr>
+          <a:p>
+            <a:endParaRPr b="0" lang="en-US" sz="3200" spc="-1" strike="noStrike">
+              <a:latin typeface="Arial"/>
+            </a:endParaRPr>
+          </a:p>
+        </p:txBody>
+      </p:sp>
+      <p:sp>
+        <p:nvSpPr>
+          <p:cNvPr id="30" name="PlaceHolder 5"/>
+          <p:cNvSpPr>
+            <a:spLocks noGrp="1"/>
+          </p:cNvSpPr>
+          <p:nvPr>
+            <p:ph type="body"/>
+          </p:nvPr>
+        </p:nvSpPr>
+        <p:spPr>
+          <a:xfrm>
+            <a:off x="5152680" y="3044520"/>
+            <a:ext cx="4426920" cy="1568520"/>
           </a:xfrm>
           <a:prstGeom prst="rect">
             <a:avLst/>
@@ -347,7 +348,7 @@
       </p:grpSpPr>
       <p:sp>
         <p:nvSpPr>
-          <p:cNvPr id="34" name="PlaceHolder 1"/>
+          <p:cNvPr id="31" name="PlaceHolder 1"/>
           <p:cNvSpPr>
             <a:spLocks noGrp="1"/>
           </p:cNvSpPr>
@@ -358,7 +359,7 @@
         <p:spPr>
           <a:xfrm>
             <a:off x="504000" y="226080"/>
-            <a:ext cx="9071640" cy="946440"/>
+            <a:ext cx="9071280" cy="946080"/>
           </a:xfrm>
           <a:prstGeom prst="rect">
             <a:avLst/>
@@ -378,7 +379,7 @@
       </p:sp>
       <p:sp>
         <p:nvSpPr>
-          <p:cNvPr id="35" name="PlaceHolder 2"/>
+          <p:cNvPr id="32" name="PlaceHolder 2"/>
           <p:cNvSpPr>
             <a:spLocks noGrp="1"/>
           </p:cNvSpPr>
@@ -389,157 +390,157 @@
         <p:spPr>
           <a:xfrm>
             <a:off x="504000" y="1326600"/>
-            <a:ext cx="2920680" cy="1568160"/>
-          </a:xfrm>
-          <a:prstGeom prst="rect">
-            <a:avLst/>
-          </a:prstGeom>
-        </p:spPr>
-        <p:txBody>
-          <a:bodyPr lIns="0" rIns="0" tIns="0" bIns="0">
-            <a:normAutofit/>
-          </a:bodyPr>
-          <a:p>
-            <a:endParaRPr b="0" lang="en-US" sz="3200" spc="-1" strike="noStrike">
-              <a:latin typeface="Arial"/>
-            </a:endParaRPr>
-          </a:p>
-        </p:txBody>
-      </p:sp>
-      <p:sp>
-        <p:nvSpPr>
-          <p:cNvPr id="36" name="PlaceHolder 3"/>
-          <p:cNvSpPr>
-            <a:spLocks noGrp="1"/>
-          </p:cNvSpPr>
-          <p:nvPr>
-            <p:ph type="body"/>
-          </p:nvPr>
-        </p:nvSpPr>
-        <p:spPr>
-          <a:xfrm>
-            <a:off x="3571200" y="1326600"/>
-            <a:ext cx="2920680" cy="1568160"/>
-          </a:xfrm>
-          <a:prstGeom prst="rect">
-            <a:avLst/>
-          </a:prstGeom>
-        </p:spPr>
-        <p:txBody>
-          <a:bodyPr lIns="0" rIns="0" tIns="0" bIns="0">
-            <a:normAutofit/>
-          </a:bodyPr>
-          <a:p>
-            <a:endParaRPr b="0" lang="en-US" sz="3200" spc="-1" strike="noStrike">
-              <a:latin typeface="Arial"/>
-            </a:endParaRPr>
-          </a:p>
-        </p:txBody>
-      </p:sp>
-      <p:sp>
-        <p:nvSpPr>
-          <p:cNvPr id="37" name="PlaceHolder 4"/>
-          <p:cNvSpPr>
-            <a:spLocks noGrp="1"/>
-          </p:cNvSpPr>
-          <p:nvPr>
-            <p:ph type="body"/>
-          </p:nvPr>
-        </p:nvSpPr>
-        <p:spPr>
-          <a:xfrm>
-            <a:off x="6638040" y="1326600"/>
-            <a:ext cx="2920680" cy="1568160"/>
-          </a:xfrm>
-          <a:prstGeom prst="rect">
-            <a:avLst/>
-          </a:prstGeom>
-        </p:spPr>
-        <p:txBody>
-          <a:bodyPr lIns="0" rIns="0" tIns="0" bIns="0">
-            <a:normAutofit/>
-          </a:bodyPr>
-          <a:p>
-            <a:endParaRPr b="0" lang="en-US" sz="3200" spc="-1" strike="noStrike">
-              <a:latin typeface="Arial"/>
-            </a:endParaRPr>
-          </a:p>
-        </p:txBody>
-      </p:sp>
-      <p:sp>
-        <p:nvSpPr>
-          <p:cNvPr id="38" name="PlaceHolder 5"/>
-          <p:cNvSpPr>
-            <a:spLocks noGrp="1"/>
-          </p:cNvSpPr>
-          <p:nvPr>
-            <p:ph type="body"/>
-          </p:nvPr>
-        </p:nvSpPr>
-        <p:spPr>
-          <a:xfrm>
-            <a:off x="504000" y="3044160"/>
-            <a:ext cx="2920680" cy="1568160"/>
-          </a:xfrm>
-          <a:prstGeom prst="rect">
-            <a:avLst/>
-          </a:prstGeom>
-        </p:spPr>
-        <p:txBody>
-          <a:bodyPr lIns="0" rIns="0" tIns="0" bIns="0">
-            <a:normAutofit/>
-          </a:bodyPr>
-          <a:p>
-            <a:endParaRPr b="0" lang="en-US" sz="3200" spc="-1" strike="noStrike">
-              <a:latin typeface="Arial"/>
-            </a:endParaRPr>
-          </a:p>
-        </p:txBody>
-      </p:sp>
-      <p:sp>
-        <p:nvSpPr>
-          <p:cNvPr id="39" name="PlaceHolder 6"/>
-          <p:cNvSpPr>
-            <a:spLocks noGrp="1"/>
-          </p:cNvSpPr>
-          <p:nvPr>
-            <p:ph type="body"/>
-          </p:nvPr>
-        </p:nvSpPr>
-        <p:spPr>
-          <a:xfrm>
-            <a:off x="3571200" y="3044160"/>
-            <a:ext cx="2920680" cy="1568160"/>
-          </a:xfrm>
-          <a:prstGeom prst="rect">
-            <a:avLst/>
-          </a:prstGeom>
-        </p:spPr>
-        <p:txBody>
-          <a:bodyPr lIns="0" rIns="0" tIns="0" bIns="0">
-            <a:normAutofit/>
-          </a:bodyPr>
-          <a:p>
-            <a:endParaRPr b="0" lang="en-US" sz="3200" spc="-1" strike="noStrike">
-              <a:latin typeface="Arial"/>
-            </a:endParaRPr>
-          </a:p>
-        </p:txBody>
-      </p:sp>
-      <p:sp>
-        <p:nvSpPr>
-          <p:cNvPr id="40" name="PlaceHolder 7"/>
-          <p:cNvSpPr>
-            <a:spLocks noGrp="1"/>
-          </p:cNvSpPr>
-          <p:nvPr>
-            <p:ph type="body"/>
-          </p:nvPr>
-        </p:nvSpPr>
-        <p:spPr>
-          <a:xfrm>
-            <a:off x="6638040" y="3044160"/>
-            <a:ext cx="2920680" cy="1568160"/>
+            <a:ext cx="2921040" cy="1568520"/>
+          </a:xfrm>
+          <a:prstGeom prst="rect">
+            <a:avLst/>
+          </a:prstGeom>
+        </p:spPr>
+        <p:txBody>
+          <a:bodyPr lIns="0" rIns="0" tIns="0" bIns="0">
+            <a:normAutofit/>
+          </a:bodyPr>
+          <a:p>
+            <a:endParaRPr b="0" lang="en-US" sz="3200" spc="-1" strike="noStrike">
+              <a:latin typeface="Arial"/>
+            </a:endParaRPr>
+          </a:p>
+        </p:txBody>
+      </p:sp>
+      <p:sp>
+        <p:nvSpPr>
+          <p:cNvPr id="33" name="PlaceHolder 3"/>
+          <p:cNvSpPr>
+            <a:spLocks noGrp="1"/>
+          </p:cNvSpPr>
+          <p:nvPr>
+            <p:ph type="body"/>
+          </p:nvPr>
+        </p:nvSpPr>
+        <p:spPr>
+          <a:xfrm>
+            <a:off x="3571560" y="1326600"/>
+            <a:ext cx="2921040" cy="1568520"/>
+          </a:xfrm>
+          <a:prstGeom prst="rect">
+            <a:avLst/>
+          </a:prstGeom>
+        </p:spPr>
+        <p:txBody>
+          <a:bodyPr lIns="0" rIns="0" tIns="0" bIns="0">
+            <a:normAutofit/>
+          </a:bodyPr>
+          <a:p>
+            <a:endParaRPr b="0" lang="en-US" sz="3200" spc="-1" strike="noStrike">
+              <a:latin typeface="Arial"/>
+            </a:endParaRPr>
+          </a:p>
+        </p:txBody>
+      </p:sp>
+      <p:sp>
+        <p:nvSpPr>
+          <p:cNvPr id="34" name="PlaceHolder 4"/>
+          <p:cNvSpPr>
+            <a:spLocks noGrp="1"/>
+          </p:cNvSpPr>
+          <p:nvPr>
+            <p:ph type="body"/>
+          </p:nvPr>
+        </p:nvSpPr>
+        <p:spPr>
+          <a:xfrm>
+            <a:off x="6639120" y="1326600"/>
+            <a:ext cx="2921040" cy="1568520"/>
+          </a:xfrm>
+          <a:prstGeom prst="rect">
+            <a:avLst/>
+          </a:prstGeom>
+        </p:spPr>
+        <p:txBody>
+          <a:bodyPr lIns="0" rIns="0" tIns="0" bIns="0">
+            <a:normAutofit/>
+          </a:bodyPr>
+          <a:p>
+            <a:endParaRPr b="0" lang="en-US" sz="3200" spc="-1" strike="noStrike">
+              <a:latin typeface="Arial"/>
+            </a:endParaRPr>
+          </a:p>
+        </p:txBody>
+      </p:sp>
+      <p:sp>
+        <p:nvSpPr>
+          <p:cNvPr id="35" name="PlaceHolder 5"/>
+          <p:cNvSpPr>
+            <a:spLocks noGrp="1"/>
+          </p:cNvSpPr>
+          <p:nvPr>
+            <p:ph type="body"/>
+          </p:nvPr>
+        </p:nvSpPr>
+        <p:spPr>
+          <a:xfrm>
+            <a:off x="504000" y="3044520"/>
+            <a:ext cx="2921040" cy="1568520"/>
+          </a:xfrm>
+          <a:prstGeom prst="rect">
+            <a:avLst/>
+          </a:prstGeom>
+        </p:spPr>
+        <p:txBody>
+          <a:bodyPr lIns="0" rIns="0" tIns="0" bIns="0">
+            <a:normAutofit/>
+          </a:bodyPr>
+          <a:p>
+            <a:endParaRPr b="0" lang="en-US" sz="3200" spc="-1" strike="noStrike">
+              <a:latin typeface="Arial"/>
+            </a:endParaRPr>
+          </a:p>
+        </p:txBody>
+      </p:sp>
+      <p:sp>
+        <p:nvSpPr>
+          <p:cNvPr id="36" name="PlaceHolder 6"/>
+          <p:cNvSpPr>
+            <a:spLocks noGrp="1"/>
+          </p:cNvSpPr>
+          <p:nvPr>
+            <p:ph type="body"/>
+          </p:nvPr>
+        </p:nvSpPr>
+        <p:spPr>
+          <a:xfrm>
+            <a:off x="3571560" y="3044520"/>
+            <a:ext cx="2921040" cy="1568520"/>
+          </a:xfrm>
+          <a:prstGeom prst="rect">
+            <a:avLst/>
+          </a:prstGeom>
+        </p:spPr>
+        <p:txBody>
+          <a:bodyPr lIns="0" rIns="0" tIns="0" bIns="0">
+            <a:normAutofit/>
+          </a:bodyPr>
+          <a:p>
+            <a:endParaRPr b="0" lang="en-US" sz="3200" spc="-1" strike="noStrike">
+              <a:latin typeface="Arial"/>
+            </a:endParaRPr>
+          </a:p>
+        </p:txBody>
+      </p:sp>
+      <p:sp>
+        <p:nvSpPr>
+          <p:cNvPr id="37" name="PlaceHolder 7"/>
+          <p:cNvSpPr>
+            <a:spLocks noGrp="1"/>
+          </p:cNvSpPr>
+          <p:nvPr>
+            <p:ph type="body"/>
+          </p:nvPr>
+        </p:nvSpPr>
+        <p:spPr>
+          <a:xfrm>
+            <a:off x="6639120" y="3044520"/>
+            <a:ext cx="2921040" cy="1568520"/>
           </a:xfrm>
           <a:prstGeom prst="rect">
             <a:avLst/>
@@ -580,7 +581,7 @@
       </p:grpSpPr>
       <p:sp>
         <p:nvSpPr>
-          <p:cNvPr id="5" name="PlaceHolder 1"/>
+          <p:cNvPr id="2" name="PlaceHolder 1"/>
           <p:cNvSpPr>
             <a:spLocks noGrp="1"/>
           </p:cNvSpPr>
@@ -591,7 +592,7 @@
         <p:spPr>
           <a:xfrm>
             <a:off x="504000" y="226080"/>
-            <a:ext cx="9071640" cy="946440"/>
+            <a:ext cx="9071280" cy="946080"/>
           </a:xfrm>
           <a:prstGeom prst="rect">
             <a:avLst/>
@@ -611,7 +612,7 @@
       </p:sp>
       <p:sp>
         <p:nvSpPr>
-          <p:cNvPr id="6" name="PlaceHolder 2"/>
+          <p:cNvPr id="3" name="PlaceHolder 2"/>
           <p:cNvSpPr>
             <a:spLocks noGrp="1"/>
           </p:cNvSpPr>
@@ -622,7 +623,7 @@
         <p:spPr>
           <a:xfrm>
             <a:off x="504000" y="1326600"/>
-            <a:ext cx="9071640" cy="3288240"/>
+            <a:ext cx="9072000" cy="3288600"/>
           </a:xfrm>
           <a:prstGeom prst="rect">
             <a:avLst/>
@@ -664,7 +665,7 @@
       </p:grpSpPr>
       <p:sp>
         <p:nvSpPr>
-          <p:cNvPr id="7" name="PlaceHolder 1"/>
+          <p:cNvPr id="4" name="PlaceHolder 1"/>
           <p:cNvSpPr>
             <a:spLocks noGrp="1"/>
           </p:cNvSpPr>
@@ -675,7 +676,7 @@
         <p:spPr>
           <a:xfrm>
             <a:off x="504000" y="226080"/>
-            <a:ext cx="9071640" cy="946440"/>
+            <a:ext cx="9071280" cy="946080"/>
           </a:xfrm>
           <a:prstGeom prst="rect">
             <a:avLst/>
@@ -695,7 +696,7 @@
       </p:sp>
       <p:sp>
         <p:nvSpPr>
-          <p:cNvPr id="8" name="PlaceHolder 2"/>
+          <p:cNvPr id="5" name="PlaceHolder 2"/>
           <p:cNvSpPr>
             <a:spLocks noGrp="1"/>
           </p:cNvSpPr>
@@ -706,7 +707,7 @@
         <p:spPr>
           <a:xfrm>
             <a:off x="504000" y="1326600"/>
-            <a:ext cx="9071640" cy="3288240"/>
+            <a:ext cx="9072000" cy="3288600"/>
           </a:xfrm>
           <a:prstGeom prst="rect">
             <a:avLst/>
@@ -747,7 +748,7 @@
       </p:grpSpPr>
       <p:sp>
         <p:nvSpPr>
-          <p:cNvPr id="9" name="PlaceHolder 1"/>
+          <p:cNvPr id="6" name="PlaceHolder 1"/>
           <p:cNvSpPr>
             <a:spLocks noGrp="1"/>
           </p:cNvSpPr>
@@ -758,7 +759,7 @@
         <p:spPr>
           <a:xfrm>
             <a:off x="504000" y="226080"/>
-            <a:ext cx="9071640" cy="946440"/>
+            <a:ext cx="9071280" cy="946080"/>
           </a:xfrm>
           <a:prstGeom prst="rect">
             <a:avLst/>
@@ -778,7 +779,7 @@
       </p:sp>
       <p:sp>
         <p:nvSpPr>
-          <p:cNvPr id="10" name="PlaceHolder 2"/>
+          <p:cNvPr id="7" name="PlaceHolder 2"/>
           <p:cNvSpPr>
             <a:spLocks noGrp="1"/>
           </p:cNvSpPr>
@@ -789,26 +790,26 @@
         <p:spPr>
           <a:xfrm>
             <a:off x="504000" y="1326600"/>
-            <a:ext cx="4426920" cy="3288240"/>
-          </a:xfrm>
-          <a:prstGeom prst="rect">
-            <a:avLst/>
-          </a:prstGeom>
-        </p:spPr>
-        <p:txBody>
-          <a:bodyPr lIns="0" rIns="0" tIns="0" bIns="0">
-            <a:normAutofit/>
-          </a:bodyPr>
-          <a:p>
-            <a:endParaRPr b="0" lang="en-US" sz="3200" spc="-1" strike="noStrike">
-              <a:latin typeface="Arial"/>
-            </a:endParaRPr>
-          </a:p>
-        </p:txBody>
-      </p:sp>
-      <p:sp>
-        <p:nvSpPr>
-          <p:cNvPr id="11" name="PlaceHolder 3"/>
+            <a:ext cx="4426920" cy="3288600"/>
+          </a:xfrm>
+          <a:prstGeom prst="rect">
+            <a:avLst/>
+          </a:prstGeom>
+        </p:spPr>
+        <p:txBody>
+          <a:bodyPr lIns="0" rIns="0" tIns="0" bIns="0">
+            <a:normAutofit/>
+          </a:bodyPr>
+          <a:p>
+            <a:endParaRPr b="0" lang="en-US" sz="3200" spc="-1" strike="noStrike">
+              <a:latin typeface="Arial"/>
+            </a:endParaRPr>
+          </a:p>
+        </p:txBody>
+      </p:sp>
+      <p:sp>
+        <p:nvSpPr>
+          <p:cNvPr id="8" name="PlaceHolder 3"/>
           <p:cNvSpPr>
             <a:spLocks noGrp="1"/>
           </p:cNvSpPr>
@@ -819,7 +820,7 @@
         <p:spPr>
           <a:xfrm>
             <a:off x="5152680" y="1326600"/>
-            <a:ext cx="4426920" cy="3288240"/>
+            <a:ext cx="4426920" cy="3288600"/>
           </a:xfrm>
           <a:prstGeom prst="rect">
             <a:avLst/>
@@ -860,7 +861,7 @@
       </p:grpSpPr>
       <p:sp>
         <p:nvSpPr>
-          <p:cNvPr id="12" name="PlaceHolder 1"/>
+          <p:cNvPr id="9" name="PlaceHolder 1"/>
           <p:cNvSpPr>
             <a:spLocks noGrp="1"/>
           </p:cNvSpPr>
@@ -871,7 +872,7 @@
         <p:spPr>
           <a:xfrm>
             <a:off x="504000" y="226080"/>
-            <a:ext cx="9071640" cy="946440"/>
+            <a:ext cx="9071280" cy="946080"/>
           </a:xfrm>
           <a:prstGeom prst="rect">
             <a:avLst/>
@@ -913,7 +914,7 @@
       </p:grpSpPr>
       <p:sp>
         <p:nvSpPr>
-          <p:cNvPr id="13" name="PlaceHolder 1"/>
+          <p:cNvPr id="10" name="PlaceHolder 1"/>
           <p:cNvSpPr>
             <a:spLocks noGrp="1"/>
           </p:cNvSpPr>
@@ -924,7 +925,7 @@
         <p:spPr>
           <a:xfrm>
             <a:off x="504000" y="226080"/>
-            <a:ext cx="9071640" cy="4388400"/>
+            <a:ext cx="9071280" cy="4386600"/>
           </a:xfrm>
           <a:prstGeom prst="rect">
             <a:avLst/>
@@ -966,7 +967,7 @@
       </p:grpSpPr>
       <p:sp>
         <p:nvSpPr>
-          <p:cNvPr id="14" name="PlaceHolder 1"/>
+          <p:cNvPr id="11" name="PlaceHolder 1"/>
           <p:cNvSpPr>
             <a:spLocks noGrp="1"/>
           </p:cNvSpPr>
@@ -977,7 +978,7 @@
         <p:spPr>
           <a:xfrm>
             <a:off x="504000" y="226080"/>
-            <a:ext cx="9071640" cy="946440"/>
+            <a:ext cx="9071280" cy="946080"/>
           </a:xfrm>
           <a:prstGeom prst="rect">
             <a:avLst/>
@@ -997,7 +998,7 @@
       </p:sp>
       <p:sp>
         <p:nvSpPr>
-          <p:cNvPr id="15" name="PlaceHolder 2"/>
+          <p:cNvPr id="12" name="PlaceHolder 2"/>
           <p:cNvSpPr>
             <a:spLocks noGrp="1"/>
           </p:cNvSpPr>
@@ -1008,26 +1009,26 @@
         <p:spPr>
           <a:xfrm>
             <a:off x="504000" y="1326600"/>
-            <a:ext cx="4426920" cy="1568160"/>
-          </a:xfrm>
-          <a:prstGeom prst="rect">
-            <a:avLst/>
-          </a:prstGeom>
-        </p:spPr>
-        <p:txBody>
-          <a:bodyPr lIns="0" rIns="0" tIns="0" bIns="0">
-            <a:normAutofit/>
-          </a:bodyPr>
-          <a:p>
-            <a:endParaRPr b="0" lang="en-US" sz="3200" spc="-1" strike="noStrike">
-              <a:latin typeface="Arial"/>
-            </a:endParaRPr>
-          </a:p>
-        </p:txBody>
-      </p:sp>
-      <p:sp>
-        <p:nvSpPr>
-          <p:cNvPr id="16" name="PlaceHolder 3"/>
+            <a:ext cx="4426920" cy="1568520"/>
+          </a:xfrm>
+          <a:prstGeom prst="rect">
+            <a:avLst/>
+          </a:prstGeom>
+        </p:spPr>
+        <p:txBody>
+          <a:bodyPr lIns="0" rIns="0" tIns="0" bIns="0">
+            <a:normAutofit/>
+          </a:bodyPr>
+          <a:p>
+            <a:endParaRPr b="0" lang="en-US" sz="3200" spc="-1" strike="noStrike">
+              <a:latin typeface="Arial"/>
+            </a:endParaRPr>
+          </a:p>
+        </p:txBody>
+      </p:sp>
+      <p:sp>
+        <p:nvSpPr>
+          <p:cNvPr id="13" name="PlaceHolder 3"/>
           <p:cNvSpPr>
             <a:spLocks noGrp="1"/>
           </p:cNvSpPr>
@@ -1038,37 +1039,37 @@
         <p:spPr>
           <a:xfrm>
             <a:off x="5152680" y="1326600"/>
-            <a:ext cx="4426920" cy="3288240"/>
-          </a:xfrm>
-          <a:prstGeom prst="rect">
-            <a:avLst/>
-          </a:prstGeom>
-        </p:spPr>
-        <p:txBody>
-          <a:bodyPr lIns="0" rIns="0" tIns="0" bIns="0">
-            <a:normAutofit/>
-          </a:bodyPr>
-          <a:p>
-            <a:endParaRPr b="0" lang="en-US" sz="3200" spc="-1" strike="noStrike">
-              <a:latin typeface="Arial"/>
-            </a:endParaRPr>
-          </a:p>
-        </p:txBody>
-      </p:sp>
-      <p:sp>
-        <p:nvSpPr>
-          <p:cNvPr id="17" name="PlaceHolder 4"/>
-          <p:cNvSpPr>
-            <a:spLocks noGrp="1"/>
-          </p:cNvSpPr>
-          <p:nvPr>
-            <p:ph type="body"/>
-          </p:nvPr>
-        </p:nvSpPr>
-        <p:spPr>
-          <a:xfrm>
-            <a:off x="504000" y="3044160"/>
-            <a:ext cx="4426920" cy="1568160"/>
+            <a:ext cx="4426920" cy="3288600"/>
+          </a:xfrm>
+          <a:prstGeom prst="rect">
+            <a:avLst/>
+          </a:prstGeom>
+        </p:spPr>
+        <p:txBody>
+          <a:bodyPr lIns="0" rIns="0" tIns="0" bIns="0">
+            <a:normAutofit/>
+          </a:bodyPr>
+          <a:p>
+            <a:endParaRPr b="0" lang="en-US" sz="3200" spc="-1" strike="noStrike">
+              <a:latin typeface="Arial"/>
+            </a:endParaRPr>
+          </a:p>
+        </p:txBody>
+      </p:sp>
+      <p:sp>
+        <p:nvSpPr>
+          <p:cNvPr id="14" name="PlaceHolder 4"/>
+          <p:cNvSpPr>
+            <a:spLocks noGrp="1"/>
+          </p:cNvSpPr>
+          <p:nvPr>
+            <p:ph type="body"/>
+          </p:nvPr>
+        </p:nvSpPr>
+        <p:spPr>
+          <a:xfrm>
+            <a:off x="504000" y="3044520"/>
+            <a:ext cx="4426920" cy="1568520"/>
           </a:xfrm>
           <a:prstGeom prst="rect">
             <a:avLst/>
@@ -1109,7 +1110,7 @@
       </p:grpSpPr>
       <p:sp>
         <p:nvSpPr>
-          <p:cNvPr id="18" name="PlaceHolder 1"/>
+          <p:cNvPr id="15" name="PlaceHolder 1"/>
           <p:cNvSpPr>
             <a:spLocks noGrp="1"/>
           </p:cNvSpPr>
@@ -1120,7 +1121,7 @@
         <p:spPr>
           <a:xfrm>
             <a:off x="504000" y="226080"/>
-            <a:ext cx="9071640" cy="946440"/>
+            <a:ext cx="9071280" cy="946080"/>
           </a:xfrm>
           <a:prstGeom prst="rect">
             <a:avLst/>
@@ -1140,7 +1141,7 @@
       </p:sp>
       <p:sp>
         <p:nvSpPr>
-          <p:cNvPr id="19" name="PlaceHolder 2"/>
+          <p:cNvPr id="16" name="PlaceHolder 2"/>
           <p:cNvSpPr>
             <a:spLocks noGrp="1"/>
           </p:cNvSpPr>
@@ -1151,26 +1152,26 @@
         <p:spPr>
           <a:xfrm>
             <a:off x="504000" y="1326600"/>
-            <a:ext cx="4426920" cy="3288240"/>
-          </a:xfrm>
-          <a:prstGeom prst="rect">
-            <a:avLst/>
-          </a:prstGeom>
-        </p:spPr>
-        <p:txBody>
-          <a:bodyPr lIns="0" rIns="0" tIns="0" bIns="0">
-            <a:normAutofit/>
-          </a:bodyPr>
-          <a:p>
-            <a:endParaRPr b="0" lang="en-US" sz="3200" spc="-1" strike="noStrike">
-              <a:latin typeface="Arial"/>
-            </a:endParaRPr>
-          </a:p>
-        </p:txBody>
-      </p:sp>
-      <p:sp>
-        <p:nvSpPr>
-          <p:cNvPr id="20" name="PlaceHolder 3"/>
+            <a:ext cx="4426920" cy="3288600"/>
+          </a:xfrm>
+          <a:prstGeom prst="rect">
+            <a:avLst/>
+          </a:prstGeom>
+        </p:spPr>
+        <p:txBody>
+          <a:bodyPr lIns="0" rIns="0" tIns="0" bIns="0">
+            <a:normAutofit/>
+          </a:bodyPr>
+          <a:p>
+            <a:endParaRPr b="0" lang="en-US" sz="3200" spc="-1" strike="noStrike">
+              <a:latin typeface="Arial"/>
+            </a:endParaRPr>
+          </a:p>
+        </p:txBody>
+      </p:sp>
+      <p:sp>
+        <p:nvSpPr>
+          <p:cNvPr id="17" name="PlaceHolder 3"/>
           <p:cNvSpPr>
             <a:spLocks noGrp="1"/>
           </p:cNvSpPr>
@@ -1181,37 +1182,37 @@
         <p:spPr>
           <a:xfrm>
             <a:off x="5152680" y="1326600"/>
-            <a:ext cx="4426920" cy="1568160"/>
-          </a:xfrm>
-          <a:prstGeom prst="rect">
-            <a:avLst/>
-          </a:prstGeom>
-        </p:spPr>
-        <p:txBody>
-          <a:bodyPr lIns="0" rIns="0" tIns="0" bIns="0">
-            <a:normAutofit/>
-          </a:bodyPr>
-          <a:p>
-            <a:endParaRPr b="0" lang="en-US" sz="3200" spc="-1" strike="noStrike">
-              <a:latin typeface="Arial"/>
-            </a:endParaRPr>
-          </a:p>
-        </p:txBody>
-      </p:sp>
-      <p:sp>
-        <p:nvSpPr>
-          <p:cNvPr id="21" name="PlaceHolder 4"/>
-          <p:cNvSpPr>
-            <a:spLocks noGrp="1"/>
-          </p:cNvSpPr>
-          <p:nvPr>
-            <p:ph type="body"/>
-          </p:nvPr>
-        </p:nvSpPr>
-        <p:spPr>
-          <a:xfrm>
-            <a:off x="5152680" y="3044160"/>
-            <a:ext cx="4426920" cy="1568160"/>
+            <a:ext cx="4426920" cy="1568520"/>
+          </a:xfrm>
+          <a:prstGeom prst="rect">
+            <a:avLst/>
+          </a:prstGeom>
+        </p:spPr>
+        <p:txBody>
+          <a:bodyPr lIns="0" rIns="0" tIns="0" bIns="0">
+            <a:normAutofit/>
+          </a:bodyPr>
+          <a:p>
+            <a:endParaRPr b="0" lang="en-US" sz="3200" spc="-1" strike="noStrike">
+              <a:latin typeface="Arial"/>
+            </a:endParaRPr>
+          </a:p>
+        </p:txBody>
+      </p:sp>
+      <p:sp>
+        <p:nvSpPr>
+          <p:cNvPr id="18" name="PlaceHolder 4"/>
+          <p:cNvSpPr>
+            <a:spLocks noGrp="1"/>
+          </p:cNvSpPr>
+          <p:nvPr>
+            <p:ph type="body"/>
+          </p:nvPr>
+        </p:nvSpPr>
+        <p:spPr>
+          <a:xfrm>
+            <a:off x="5152680" y="3044520"/>
+            <a:ext cx="4426920" cy="1568520"/>
           </a:xfrm>
           <a:prstGeom prst="rect">
             <a:avLst/>
@@ -1252,7 +1253,7 @@
       </p:grpSpPr>
       <p:sp>
         <p:nvSpPr>
-          <p:cNvPr id="22" name="PlaceHolder 1"/>
+          <p:cNvPr id="19" name="PlaceHolder 1"/>
           <p:cNvSpPr>
             <a:spLocks noGrp="1"/>
           </p:cNvSpPr>
@@ -1263,7 +1264,7 @@
         <p:spPr>
           <a:xfrm>
             <a:off x="504000" y="226080"/>
-            <a:ext cx="9071640" cy="946440"/>
+            <a:ext cx="9071280" cy="946080"/>
           </a:xfrm>
           <a:prstGeom prst="rect">
             <a:avLst/>
@@ -1283,7 +1284,7 @@
       </p:sp>
       <p:sp>
         <p:nvSpPr>
-          <p:cNvPr id="23" name="PlaceHolder 2"/>
+          <p:cNvPr id="20" name="PlaceHolder 2"/>
           <p:cNvSpPr>
             <a:spLocks noGrp="1"/>
           </p:cNvSpPr>
@@ -1294,26 +1295,26 @@
         <p:spPr>
           <a:xfrm>
             <a:off x="504000" y="1326600"/>
-            <a:ext cx="4426920" cy="1568160"/>
-          </a:xfrm>
-          <a:prstGeom prst="rect">
-            <a:avLst/>
-          </a:prstGeom>
-        </p:spPr>
-        <p:txBody>
-          <a:bodyPr lIns="0" rIns="0" tIns="0" bIns="0">
-            <a:normAutofit/>
-          </a:bodyPr>
-          <a:p>
-            <a:endParaRPr b="0" lang="en-US" sz="3200" spc="-1" strike="noStrike">
-              <a:latin typeface="Arial"/>
-            </a:endParaRPr>
-          </a:p>
-        </p:txBody>
-      </p:sp>
-      <p:sp>
-        <p:nvSpPr>
-          <p:cNvPr id="24" name="PlaceHolder 3"/>
+            <a:ext cx="4426920" cy="1568520"/>
+          </a:xfrm>
+          <a:prstGeom prst="rect">
+            <a:avLst/>
+          </a:prstGeom>
+        </p:spPr>
+        <p:txBody>
+          <a:bodyPr lIns="0" rIns="0" tIns="0" bIns="0">
+            <a:normAutofit/>
+          </a:bodyPr>
+          <a:p>
+            <a:endParaRPr b="0" lang="en-US" sz="3200" spc="-1" strike="noStrike">
+              <a:latin typeface="Arial"/>
+            </a:endParaRPr>
+          </a:p>
+        </p:txBody>
+      </p:sp>
+      <p:sp>
+        <p:nvSpPr>
+          <p:cNvPr id="21" name="PlaceHolder 3"/>
           <p:cNvSpPr>
             <a:spLocks noGrp="1"/>
           </p:cNvSpPr>
@@ -1324,37 +1325,37 @@
         <p:spPr>
           <a:xfrm>
             <a:off x="5152680" y="1326600"/>
-            <a:ext cx="4426920" cy="1568160"/>
-          </a:xfrm>
-          <a:prstGeom prst="rect">
-            <a:avLst/>
-          </a:prstGeom>
-        </p:spPr>
-        <p:txBody>
-          <a:bodyPr lIns="0" rIns="0" tIns="0" bIns="0">
-            <a:normAutofit/>
-          </a:bodyPr>
-          <a:p>
-            <a:endParaRPr b="0" lang="en-US" sz="3200" spc="-1" strike="noStrike">
-              <a:latin typeface="Arial"/>
-            </a:endParaRPr>
-          </a:p>
-        </p:txBody>
-      </p:sp>
-      <p:sp>
-        <p:nvSpPr>
-          <p:cNvPr id="25" name="PlaceHolder 4"/>
-          <p:cNvSpPr>
-            <a:spLocks noGrp="1"/>
-          </p:cNvSpPr>
-          <p:nvPr>
-            <p:ph type="body"/>
-          </p:nvPr>
-        </p:nvSpPr>
-        <p:spPr>
-          <a:xfrm>
-            <a:off x="504000" y="3044160"/>
-            <a:ext cx="9071640" cy="1568160"/>
+            <a:ext cx="4426920" cy="1568520"/>
+          </a:xfrm>
+          <a:prstGeom prst="rect">
+            <a:avLst/>
+          </a:prstGeom>
+        </p:spPr>
+        <p:txBody>
+          <a:bodyPr lIns="0" rIns="0" tIns="0" bIns="0">
+            <a:normAutofit/>
+          </a:bodyPr>
+          <a:p>
+            <a:endParaRPr b="0" lang="en-US" sz="3200" spc="-1" strike="noStrike">
+              <a:latin typeface="Arial"/>
+            </a:endParaRPr>
+          </a:p>
+        </p:txBody>
+      </p:sp>
+      <p:sp>
+        <p:nvSpPr>
+          <p:cNvPr id="22" name="PlaceHolder 4"/>
+          <p:cNvSpPr>
+            <a:spLocks noGrp="1"/>
+          </p:cNvSpPr>
+          <p:nvPr>
+            <p:ph type="body"/>
+          </p:nvPr>
+        </p:nvSpPr>
+        <p:spPr>
+          <a:xfrm>
+            <a:off x="504000" y="3044520"/>
+            <a:ext cx="9072000" cy="1568520"/>
           </a:xfrm>
           <a:prstGeom prst="rect">
             <a:avLst/>
@@ -1406,7 +1407,7 @@
         <p:spPr>
           <a:xfrm>
             <a:off x="504000" y="226080"/>
-            <a:ext cx="9071640" cy="946440"/>
+            <a:ext cx="9071280" cy="946080"/>
           </a:xfrm>
           <a:prstGeom prst="rect">
             <a:avLst/>
@@ -1417,20 +1418,13 @@
             <a:noAutofit/>
           </a:bodyPr>
           <a:p>
-            <a:pPr algn="ctr"/>
             <a:r>
-              <a:rPr b="0" lang="en-US" sz="4400" spc="-1" strike="noStrike">
+              <a:rPr b="0" lang="en-US" sz="1800" spc="-1" strike="noStrike">
                 <a:latin typeface="Arial"/>
               </a:rPr>
-              <a:t>Click to edit the title text </a:t>
+              <a:t>Click to edit the title text format</a:t>
             </a:r>
-            <a:r>
-              <a:rPr b="0" lang="en-US" sz="4400" spc="-1" strike="noStrike">
-                <a:latin typeface="Arial"/>
-              </a:rPr>
-              <a:t>format</a:t>
-            </a:r>
-            <a:endParaRPr b="0" lang="en-US" sz="4400" spc="-1" strike="noStrike">
+            <a:endParaRPr b="0" lang="en-US" sz="1800" spc="-1" strike="noStrike">
               <a:latin typeface="Arial"/>
             </a:endParaRPr>
           </a:p>
@@ -1449,7 +1443,7 @@
         <p:spPr>
           <a:xfrm>
             <a:off x="504000" y="1326600"/>
-            <a:ext cx="9071640" cy="3288240"/>
+            <a:ext cx="9072000" cy="3288600"/>
           </a:xfrm>
           <a:prstGeom prst="rect">
             <a:avLst/>
@@ -1611,116 +1605,6 @@
             </a:r>
             <a:endParaRPr b="0" lang="en-US" sz="2000" spc="-1" strike="noStrike">
               <a:latin typeface="Arial"/>
-            </a:endParaRPr>
-          </a:p>
-        </p:txBody>
-      </p:sp>
-      <p:sp>
-        <p:nvSpPr>
-          <p:cNvPr id="2" name="PlaceHolder 3"/>
-          <p:cNvSpPr>
-            <a:spLocks noGrp="1"/>
-          </p:cNvSpPr>
-          <p:nvPr>
-            <p:ph type="dt"/>
-          </p:nvPr>
-        </p:nvSpPr>
-        <p:spPr>
-          <a:xfrm>
-            <a:off x="504000" y="5165280"/>
-            <a:ext cx="2348280" cy="390600"/>
-          </a:xfrm>
-          <a:prstGeom prst="rect">
-            <a:avLst/>
-          </a:prstGeom>
-        </p:spPr>
-        <p:txBody>
-          <a:bodyPr lIns="0" rIns="0" tIns="0" bIns="0">
-            <a:noAutofit/>
-          </a:bodyPr>
-          <a:p>
-            <a:r>
-              <a:rPr b="0" lang="en-US" sz="1400" spc="-1" strike="noStrike">
-                <a:latin typeface="Times New Roman"/>
-              </a:rPr>
-              <a:t>&lt;date/time&gt;</a:t>
-            </a:r>
-            <a:endParaRPr b="0" lang="en-US" sz="1400" spc="-1" strike="noStrike">
-              <a:latin typeface="Times New Roman"/>
-            </a:endParaRPr>
-          </a:p>
-        </p:txBody>
-      </p:sp>
-      <p:sp>
-        <p:nvSpPr>
-          <p:cNvPr id="3" name="PlaceHolder 4"/>
-          <p:cNvSpPr>
-            <a:spLocks noGrp="1"/>
-          </p:cNvSpPr>
-          <p:nvPr>
-            <p:ph type="ftr"/>
-          </p:nvPr>
-        </p:nvSpPr>
-        <p:spPr>
-          <a:xfrm>
-            <a:off x="3447360" y="5165280"/>
-            <a:ext cx="3195000" cy="390600"/>
-          </a:xfrm>
-          <a:prstGeom prst="rect">
-            <a:avLst/>
-          </a:prstGeom>
-        </p:spPr>
-        <p:txBody>
-          <a:bodyPr lIns="0" rIns="0" tIns="0" bIns="0">
-            <a:noAutofit/>
-          </a:bodyPr>
-          <a:p>
-            <a:pPr algn="ctr"/>
-            <a:r>
-              <a:rPr b="0" lang="en-US" sz="1400" spc="-1" strike="noStrike">
-                <a:latin typeface="Times New Roman"/>
-              </a:rPr>
-              <a:t>&lt;footer&gt;</a:t>
-            </a:r>
-            <a:endParaRPr b="0" lang="en-US" sz="1400" spc="-1" strike="noStrike">
-              <a:latin typeface="Times New Roman"/>
-            </a:endParaRPr>
-          </a:p>
-        </p:txBody>
-      </p:sp>
-      <p:sp>
-        <p:nvSpPr>
-          <p:cNvPr id="4" name="PlaceHolder 5"/>
-          <p:cNvSpPr>
-            <a:spLocks noGrp="1"/>
-          </p:cNvSpPr>
-          <p:nvPr>
-            <p:ph type="sldNum"/>
-          </p:nvPr>
-        </p:nvSpPr>
-        <p:spPr>
-          <a:xfrm>
-            <a:off x="7227360" y="5165280"/>
-            <a:ext cx="2348280" cy="390600"/>
-          </a:xfrm>
-          <a:prstGeom prst="rect">
-            <a:avLst/>
-          </a:prstGeom>
-        </p:spPr>
-        <p:txBody>
-          <a:bodyPr lIns="0" rIns="0" tIns="0" bIns="0">
-            <a:noAutofit/>
-          </a:bodyPr>
-          <a:p>
-            <a:pPr algn="r"/>
-            <a:fld id="{1AE723CB-EC60-4402-A565-0515399FBD2E}" type="slidenum">
-              <a:rPr b="0" lang="en-US" sz="1400" spc="-1" strike="noStrike">
-                <a:latin typeface="Times New Roman"/>
-              </a:rPr>
-              <a:t>&lt;number&gt;</a:t>
-            </a:fld>
-            <a:endParaRPr b="0" lang="en-US" sz="1400" spc="-1" strike="noStrike">
-              <a:latin typeface="Times New Roman"/>
             </a:endParaRPr>
           </a:p>
         </p:txBody>
@@ -1746,6 +1630,218 @@
 </file>
 
 <file path=ppt/slides/slide1.xml><?xml version="1.0" encoding="utf-8"?>
+<p:sld xmlns:a="http://schemas.openxmlformats.org/drawingml/2006/main" xmlns:p="http://schemas.openxmlformats.org/presentationml/2006/main" xmlns:r="http://schemas.openxmlformats.org/officeDocument/2006/relationships" xmlns:p14="http://schemas.microsoft.com/office/powerpoint/2010/main" xmlns:p15="http://schemas.microsoft.com/office/powerpoint/2012/main" xmlns:mc="http://schemas.openxmlformats.org/markup-compatibility/2006">
+  <p:cSld>
+    <p:spTree>
+      <p:nvGrpSpPr>
+        <p:cNvPr id="1" name=""/>
+        <p:cNvGrpSpPr/>
+        <p:nvPr/>
+      </p:nvGrpSpPr>
+      <p:grpSpPr>
+        <a:xfrm>
+          <a:off x="0" y="0"/>
+          <a:ext cx="0" cy="0"/>
+          <a:chOff x="0" y="0"/>
+          <a:chExt cx="0" cy="0"/>
+        </a:xfrm>
+      </p:grpSpPr>
+      <p:pic>
+        <p:nvPicPr>
+          <p:cNvPr id="38" name="" descr=""/>
+          <p:cNvPicPr/>
+          <p:nvPr/>
+        </p:nvPicPr>
+        <p:blipFill>
+          <a:blip r:embed="rId1"/>
+          <a:stretch/>
+        </p:blipFill>
+        <p:spPr>
+          <a:xfrm>
+            <a:off x="17640" y="329040"/>
+            <a:ext cx="10079280" cy="5039280"/>
+          </a:xfrm>
+          <a:prstGeom prst="rect">
+            <a:avLst/>
+          </a:prstGeom>
+          <a:ln>
+            <a:noFill/>
+          </a:ln>
+        </p:spPr>
+      </p:pic>
+    </p:spTree>
+  </p:cSld>
+  <mc:AlternateContent>
+    <mc:Choice Requires="p14">
+      <p:transition spd="slow" p14:dur="2000"/>
+    </mc:Choice>
+    <mc:Fallback>
+      <p:transition spd="slow"/>
+    </mc:Fallback>
+  </mc:AlternateContent>
+</p:sld>
+</file>
+
+<file path=ppt/slides/slide10.xml><?xml version="1.0" encoding="utf-8"?>
+<p:sld xmlns:a="http://schemas.openxmlformats.org/drawingml/2006/main" xmlns:p="http://schemas.openxmlformats.org/presentationml/2006/main" xmlns:r="http://schemas.openxmlformats.org/officeDocument/2006/relationships" xmlns:p14="http://schemas.microsoft.com/office/powerpoint/2010/main" xmlns:p15="http://schemas.microsoft.com/office/powerpoint/2012/main" xmlns:mc="http://schemas.openxmlformats.org/markup-compatibility/2006">
+  <p:cSld>
+    <p:spTree>
+      <p:nvGrpSpPr>
+        <p:cNvPr id="1" name=""/>
+        <p:cNvGrpSpPr/>
+        <p:nvPr/>
+      </p:nvGrpSpPr>
+      <p:grpSpPr>
+        <a:xfrm>
+          <a:off x="0" y="0"/>
+          <a:ext cx="0" cy="0"/>
+          <a:chOff x="0" y="0"/>
+          <a:chExt cx="0" cy="0"/>
+        </a:xfrm>
+      </p:grpSpPr>
+      <p:pic>
+        <p:nvPicPr>
+          <p:cNvPr id="47" name="" descr=""/>
+          <p:cNvPicPr/>
+          <p:nvPr/>
+        </p:nvPicPr>
+        <p:blipFill>
+          <a:blip r:embed="rId1"/>
+          <a:stretch/>
+        </p:blipFill>
+        <p:spPr>
+          <a:xfrm>
+            <a:off x="1750320" y="14040"/>
+            <a:ext cx="6614280" cy="5669280"/>
+          </a:xfrm>
+          <a:prstGeom prst="rect">
+            <a:avLst/>
+          </a:prstGeom>
+          <a:ln>
+            <a:noFill/>
+          </a:ln>
+        </p:spPr>
+      </p:pic>
+    </p:spTree>
+  </p:cSld>
+  <mc:AlternateContent>
+    <mc:Choice Requires="p14">
+      <p:transition spd="slow" p14:dur="2000"/>
+    </mc:Choice>
+    <mc:Fallback>
+      <p:transition spd="slow"/>
+    </mc:Fallback>
+  </mc:AlternateContent>
+</p:sld>
+</file>
+
+<file path=ppt/slides/slide2.xml><?xml version="1.0" encoding="utf-8"?>
+<p:sld xmlns:a="http://schemas.openxmlformats.org/drawingml/2006/main" xmlns:p="http://schemas.openxmlformats.org/presentationml/2006/main" xmlns:r="http://schemas.openxmlformats.org/officeDocument/2006/relationships" xmlns:p14="http://schemas.microsoft.com/office/powerpoint/2010/main" xmlns:p15="http://schemas.microsoft.com/office/powerpoint/2012/main" xmlns:mc="http://schemas.openxmlformats.org/markup-compatibility/2006">
+  <p:cSld>
+    <p:spTree>
+      <p:nvGrpSpPr>
+        <p:cNvPr id="1" name=""/>
+        <p:cNvGrpSpPr/>
+        <p:nvPr/>
+      </p:nvGrpSpPr>
+      <p:grpSpPr>
+        <a:xfrm>
+          <a:off x="0" y="0"/>
+          <a:ext cx="0" cy="0"/>
+          <a:chOff x="0" y="0"/>
+          <a:chExt cx="0" cy="0"/>
+        </a:xfrm>
+      </p:grpSpPr>
+      <p:pic>
+        <p:nvPicPr>
+          <p:cNvPr id="39" name="" descr=""/>
+          <p:cNvPicPr/>
+          <p:nvPr/>
+        </p:nvPicPr>
+        <p:blipFill>
+          <a:blip r:embed="rId1"/>
+          <a:stretch/>
+        </p:blipFill>
+        <p:spPr>
+          <a:xfrm>
+            <a:off x="2222640" y="14040"/>
+            <a:ext cx="5669280" cy="5669280"/>
+          </a:xfrm>
+          <a:prstGeom prst="rect">
+            <a:avLst/>
+          </a:prstGeom>
+          <a:ln>
+            <a:noFill/>
+          </a:ln>
+        </p:spPr>
+      </p:pic>
+    </p:spTree>
+  </p:cSld>
+  <mc:AlternateContent>
+    <mc:Choice Requires="p14">
+      <p:transition spd="slow" p14:dur="2000"/>
+    </mc:Choice>
+    <mc:Fallback>
+      <p:transition spd="slow"/>
+    </mc:Fallback>
+  </mc:AlternateContent>
+</p:sld>
+</file>
+
+<file path=ppt/slides/slide3.xml><?xml version="1.0" encoding="utf-8"?>
+<p:sld xmlns:a="http://schemas.openxmlformats.org/drawingml/2006/main" xmlns:p="http://schemas.openxmlformats.org/presentationml/2006/main" xmlns:r="http://schemas.openxmlformats.org/officeDocument/2006/relationships" xmlns:p14="http://schemas.microsoft.com/office/powerpoint/2010/main" xmlns:p15="http://schemas.microsoft.com/office/powerpoint/2012/main" xmlns:mc="http://schemas.openxmlformats.org/markup-compatibility/2006">
+  <p:cSld>
+    <p:spTree>
+      <p:nvGrpSpPr>
+        <p:cNvPr id="1" name=""/>
+        <p:cNvGrpSpPr/>
+        <p:nvPr/>
+      </p:nvGrpSpPr>
+      <p:grpSpPr>
+        <a:xfrm>
+          <a:off x="0" y="0"/>
+          <a:ext cx="0" cy="0"/>
+          <a:chOff x="0" y="0"/>
+          <a:chExt cx="0" cy="0"/>
+        </a:xfrm>
+      </p:grpSpPr>
+      <p:pic>
+        <p:nvPicPr>
+          <p:cNvPr id="40" name="" descr=""/>
+          <p:cNvPicPr/>
+          <p:nvPr/>
+        </p:nvPicPr>
+        <p:blipFill>
+          <a:blip r:embed="rId1"/>
+          <a:stretch/>
+        </p:blipFill>
+        <p:spPr>
+          <a:xfrm>
+            <a:off x="963000" y="14040"/>
+            <a:ext cx="8188920" cy="5669280"/>
+          </a:xfrm>
+          <a:prstGeom prst="rect">
+            <a:avLst/>
+          </a:prstGeom>
+          <a:ln>
+            <a:noFill/>
+          </a:ln>
+        </p:spPr>
+      </p:pic>
+    </p:spTree>
+  </p:cSld>
+  <mc:AlternateContent>
+    <mc:Choice Requires="p14">
+      <p:transition spd="slow" p14:dur="2000"/>
+    </mc:Choice>
+    <mc:Fallback>
+      <p:transition spd="slow"/>
+    </mc:Fallback>
+  </mc:AlternateContent>
+</p:sld>
+</file>
+
+<file path=ppt/slides/slide4.xml><?xml version="1.0" encoding="utf-8"?>
 <p:sld xmlns:a="http://schemas.openxmlformats.org/drawingml/2006/main" xmlns:p="http://schemas.openxmlformats.org/presentationml/2006/main" xmlns:r="http://schemas.openxmlformats.org/officeDocument/2006/relationships" xmlns:p14="http://schemas.microsoft.com/office/powerpoint/2010/main" xmlns:p15="http://schemas.microsoft.com/office/powerpoint/2012/main" xmlns:mc="http://schemas.openxmlformats.org/markup-compatibility/2006">
   <p:cSld>
     <p:spTree>
@@ -1774,8 +1870,8 @@
         </p:blipFill>
         <p:spPr>
           <a:xfrm>
-            <a:off x="17640" y="329040"/>
-            <a:ext cx="10079640" cy="5039640"/>
+            <a:off x="198000" y="14040"/>
+            <a:ext cx="9718920" cy="5669280"/>
           </a:xfrm>
           <a:prstGeom prst="rect">
             <a:avLst/>
@@ -1798,7 +1894,7 @@
 </p:sld>
 </file>
 
-<file path=ppt/slides/slide2.xml><?xml version="1.0" encoding="utf-8"?>
+<file path=ppt/slides/slide5.xml><?xml version="1.0" encoding="utf-8"?>
 <p:sld xmlns:a="http://schemas.openxmlformats.org/drawingml/2006/main" xmlns:p="http://schemas.openxmlformats.org/presentationml/2006/main" xmlns:r="http://schemas.openxmlformats.org/officeDocument/2006/relationships" xmlns:p14="http://schemas.microsoft.com/office/powerpoint/2010/main" xmlns:p15="http://schemas.microsoft.com/office/powerpoint/2012/main" xmlns:mc="http://schemas.openxmlformats.org/markup-compatibility/2006">
   <p:cSld>
     <p:spTree>
@@ -1827,8 +1923,8 @@
         </p:blipFill>
         <p:spPr>
           <a:xfrm>
-            <a:off x="2222640" y="14040"/>
-            <a:ext cx="5669640" cy="5669640"/>
+            <a:off x="1005840" y="14040"/>
+            <a:ext cx="8102880" cy="5669280"/>
           </a:xfrm>
           <a:prstGeom prst="rect">
             <a:avLst/>
@@ -1851,7 +1947,7 @@
 </p:sld>
 </file>
 
-<file path=ppt/slides/slide3.xml><?xml version="1.0" encoding="utf-8"?>
+<file path=ppt/slides/slide6.xml><?xml version="1.0" encoding="utf-8"?>
 <p:sld xmlns:a="http://schemas.openxmlformats.org/drawingml/2006/main" xmlns:p="http://schemas.openxmlformats.org/presentationml/2006/main" xmlns:r="http://schemas.openxmlformats.org/officeDocument/2006/relationships" xmlns:p14="http://schemas.microsoft.com/office/powerpoint/2010/main" xmlns:p15="http://schemas.microsoft.com/office/powerpoint/2012/main" xmlns:mc="http://schemas.openxmlformats.org/markup-compatibility/2006">
   <p:cSld>
     <p:spTree>
@@ -1880,8 +1976,8 @@
         </p:blipFill>
         <p:spPr>
           <a:xfrm>
-            <a:off x="963000" y="14040"/>
-            <a:ext cx="8189280" cy="5669640"/>
+            <a:off x="1758600" y="13680"/>
+            <a:ext cx="6615360" cy="5670360"/>
           </a:xfrm>
           <a:prstGeom prst="rect">
             <a:avLst/>
@@ -1904,7 +2000,7 @@
 </p:sld>
 </file>
 
-<file path=ppt/slides/slide4.xml><?xml version="1.0" encoding="utf-8"?>
+<file path=ppt/slides/slide7.xml><?xml version="1.0" encoding="utf-8"?>
 <p:sld xmlns:a="http://schemas.openxmlformats.org/drawingml/2006/main" xmlns:p="http://schemas.openxmlformats.org/presentationml/2006/main" xmlns:r="http://schemas.openxmlformats.org/officeDocument/2006/relationships" xmlns:p14="http://schemas.microsoft.com/office/powerpoint/2010/main" xmlns:p15="http://schemas.microsoft.com/office/powerpoint/2012/main" xmlns:mc="http://schemas.openxmlformats.org/markup-compatibility/2006">
   <p:cSld>
     <p:spTree>
@@ -1933,8 +2029,8 @@
         </p:blipFill>
         <p:spPr>
           <a:xfrm>
-            <a:off x="198000" y="14040"/>
-            <a:ext cx="9719280" cy="5669640"/>
+            <a:off x="2590560" y="14040"/>
+            <a:ext cx="4724280" cy="5669280"/>
           </a:xfrm>
           <a:prstGeom prst="rect">
             <a:avLst/>
@@ -1957,7 +2053,7 @@
 </p:sld>
 </file>
 
-<file path=ppt/slides/slide5.xml><?xml version="1.0" encoding="utf-8"?>
+<file path=ppt/slides/slide8.xml><?xml version="1.0" encoding="utf-8"?>
 <p:sld xmlns:a="http://schemas.openxmlformats.org/drawingml/2006/main" xmlns:p="http://schemas.openxmlformats.org/presentationml/2006/main" xmlns:r="http://schemas.openxmlformats.org/officeDocument/2006/relationships" xmlns:p14="http://schemas.microsoft.com/office/powerpoint/2010/main" xmlns:p15="http://schemas.microsoft.com/office/powerpoint/2012/main" xmlns:mc="http://schemas.openxmlformats.org/markup-compatibility/2006">
   <p:cSld>
     <p:spTree>
@@ -1986,8 +2082,8 @@
         </p:blipFill>
         <p:spPr>
           <a:xfrm>
-            <a:off x="1005840" y="14040"/>
-            <a:ext cx="8103240" cy="5669640"/>
+            <a:off x="1514160" y="14040"/>
+            <a:ext cx="7086600" cy="5669280"/>
           </a:xfrm>
           <a:prstGeom prst="rect">
             <a:avLst/>
@@ -2010,7 +2106,7 @@
 </p:sld>
 </file>
 
-<file path=ppt/slides/slide6.xml><?xml version="1.0" encoding="utf-8"?>
+<file path=ppt/slides/slide9.xml><?xml version="1.0" encoding="utf-8"?>
 <p:sld xmlns:a="http://schemas.openxmlformats.org/drawingml/2006/main" xmlns:p="http://schemas.openxmlformats.org/presentationml/2006/main" xmlns:r="http://schemas.openxmlformats.org/officeDocument/2006/relationships" xmlns:p14="http://schemas.microsoft.com/office/powerpoint/2010/main" xmlns:p15="http://schemas.microsoft.com/office/powerpoint/2012/main" xmlns:mc="http://schemas.openxmlformats.org/markup-compatibility/2006">
   <p:cSld>
     <p:spTree>
@@ -2039,167 +2135,8 @@
         </p:blipFill>
         <p:spPr>
           <a:xfrm>
-            <a:off x="2590560" y="14040"/>
-            <a:ext cx="4724640" cy="5669640"/>
-          </a:xfrm>
-          <a:prstGeom prst="rect">
-            <a:avLst/>
-          </a:prstGeom>
-          <a:ln>
-            <a:noFill/>
-          </a:ln>
-        </p:spPr>
-      </p:pic>
-    </p:spTree>
-  </p:cSld>
-  <mc:AlternateContent>
-    <mc:Choice Requires="p14">
-      <p:transition spd="slow" p14:dur="2000"/>
-    </mc:Choice>
-    <mc:Fallback>
-      <p:transition spd="slow"/>
-    </mc:Fallback>
-  </mc:AlternateContent>
-</p:sld>
-</file>
-
-<file path=ppt/slides/slide7.xml><?xml version="1.0" encoding="utf-8"?>
-<p:sld xmlns:a="http://schemas.openxmlformats.org/drawingml/2006/main" xmlns:p="http://schemas.openxmlformats.org/presentationml/2006/main" xmlns:r="http://schemas.openxmlformats.org/officeDocument/2006/relationships" xmlns:p14="http://schemas.microsoft.com/office/powerpoint/2010/main" xmlns:p15="http://schemas.microsoft.com/office/powerpoint/2012/main" xmlns:mc="http://schemas.openxmlformats.org/markup-compatibility/2006">
-  <p:cSld>
-    <p:spTree>
-      <p:nvGrpSpPr>
-        <p:cNvPr id="1" name=""/>
-        <p:cNvGrpSpPr/>
-        <p:nvPr/>
-      </p:nvGrpSpPr>
-      <p:grpSpPr>
-        <a:xfrm>
-          <a:off x="0" y="0"/>
-          <a:ext cx="0" cy="0"/>
-          <a:chOff x="0" y="0"/>
-          <a:chExt cx="0" cy="0"/>
-        </a:xfrm>
-      </p:grpSpPr>
-      <p:pic>
-        <p:nvPicPr>
-          <p:cNvPr id="47" name="" descr=""/>
-          <p:cNvPicPr/>
-          <p:nvPr/>
-        </p:nvPicPr>
-        <p:blipFill>
-          <a:blip r:embed="rId1"/>
-          <a:stretch/>
-        </p:blipFill>
-        <p:spPr>
-          <a:xfrm>
             <a:off x="1514160" y="14040"/>
-            <a:ext cx="7086960" cy="5669640"/>
-          </a:xfrm>
-          <a:prstGeom prst="rect">
-            <a:avLst/>
-          </a:prstGeom>
-          <a:ln>
-            <a:noFill/>
-          </a:ln>
-        </p:spPr>
-      </p:pic>
-    </p:spTree>
-  </p:cSld>
-  <mc:AlternateContent>
-    <mc:Choice Requires="p14">
-      <p:transition spd="slow" p14:dur="2000"/>
-    </mc:Choice>
-    <mc:Fallback>
-      <p:transition spd="slow"/>
-    </mc:Fallback>
-  </mc:AlternateContent>
-</p:sld>
-</file>
-
-<file path=ppt/slides/slide8.xml><?xml version="1.0" encoding="utf-8"?>
-<p:sld xmlns:a="http://schemas.openxmlformats.org/drawingml/2006/main" xmlns:p="http://schemas.openxmlformats.org/presentationml/2006/main" xmlns:r="http://schemas.openxmlformats.org/officeDocument/2006/relationships" xmlns:p14="http://schemas.microsoft.com/office/powerpoint/2010/main" xmlns:p15="http://schemas.microsoft.com/office/powerpoint/2012/main" xmlns:mc="http://schemas.openxmlformats.org/markup-compatibility/2006">
-  <p:cSld>
-    <p:spTree>
-      <p:nvGrpSpPr>
-        <p:cNvPr id="1" name=""/>
-        <p:cNvGrpSpPr/>
-        <p:nvPr/>
-      </p:nvGrpSpPr>
-      <p:grpSpPr>
-        <a:xfrm>
-          <a:off x="0" y="0"/>
-          <a:ext cx="0" cy="0"/>
-          <a:chOff x="0" y="0"/>
-          <a:chExt cx="0" cy="0"/>
-        </a:xfrm>
-      </p:grpSpPr>
-      <p:pic>
-        <p:nvPicPr>
-          <p:cNvPr id="48" name="" descr=""/>
-          <p:cNvPicPr/>
-          <p:nvPr/>
-        </p:nvPicPr>
-        <p:blipFill>
-          <a:blip r:embed="rId1"/>
-          <a:stretch/>
-        </p:blipFill>
-        <p:spPr>
-          <a:xfrm>
-            <a:off x="1514160" y="14040"/>
-            <a:ext cx="7086960" cy="5669640"/>
-          </a:xfrm>
-          <a:prstGeom prst="rect">
-            <a:avLst/>
-          </a:prstGeom>
-          <a:ln>
-            <a:noFill/>
-          </a:ln>
-        </p:spPr>
-      </p:pic>
-    </p:spTree>
-  </p:cSld>
-  <mc:AlternateContent>
-    <mc:Choice Requires="p14">
-      <p:transition spd="slow" p14:dur="2000"/>
-    </mc:Choice>
-    <mc:Fallback>
-      <p:transition spd="slow"/>
-    </mc:Fallback>
-  </mc:AlternateContent>
-</p:sld>
-</file>
-
-<file path=ppt/slides/slide9.xml><?xml version="1.0" encoding="utf-8"?>
-<p:sld xmlns:a="http://schemas.openxmlformats.org/drawingml/2006/main" xmlns:p="http://schemas.openxmlformats.org/presentationml/2006/main" xmlns:r="http://schemas.openxmlformats.org/officeDocument/2006/relationships" xmlns:p14="http://schemas.microsoft.com/office/powerpoint/2010/main" xmlns:p15="http://schemas.microsoft.com/office/powerpoint/2012/main" xmlns:mc="http://schemas.openxmlformats.org/markup-compatibility/2006">
-  <p:cSld>
-    <p:spTree>
-      <p:nvGrpSpPr>
-        <p:cNvPr id="1" name=""/>
-        <p:cNvGrpSpPr/>
-        <p:nvPr/>
-      </p:nvGrpSpPr>
-      <p:grpSpPr>
-        <a:xfrm>
-          <a:off x="0" y="0"/>
-          <a:ext cx="0" cy="0"/>
-          <a:chOff x="0" y="0"/>
-          <a:chExt cx="0" cy="0"/>
-        </a:xfrm>
-      </p:grpSpPr>
-      <p:pic>
-        <p:nvPicPr>
-          <p:cNvPr id="49" name="" descr=""/>
-          <p:cNvPicPr/>
-          <p:nvPr/>
-        </p:nvPicPr>
-        <p:blipFill>
-          <a:blip r:embed="rId1"/>
-          <a:stretch/>
-        </p:blipFill>
-        <p:spPr>
-          <a:xfrm>
-            <a:off x="1750320" y="14040"/>
-            <a:ext cx="6614640" cy="5669640"/>
+            <a:ext cx="7086600" cy="5669280"/>
           </a:xfrm>
           <a:prstGeom prst="rect">
             <a:avLst/>
